--- a/final_presentation.pptx
+++ b/final_presentation.pptx
@@ -109,6 +109,11 @@
       </a:defRPr>
     </a:lvl9pPr>
   </p:defaultTextStyle>
+  <p:extLst>
+    <p:ext uri="{EFAFB233-063F-42B5-8137-9DF3F51BA10A}">
+      <p15:sldGuideLst xmlns:p15="http://schemas.microsoft.com/office/powerpoint/2012/main"/>
+    </p:ext>
+  </p:extLst>
 </p:presentation>
 </file>
 
@@ -251,7 +256,7 @@
           <a:p>
             <a:fld id="{48A87A34-81AB-432B-8DAE-1953F412C126}" type="datetimeFigureOut">
               <a:rPr lang="en-US" dirty="0"/>
-              <a:t>3/9/16</a:t>
+              <a:t>3/10/16</a:t>
             </a:fld>
             <a:endParaRPr lang="en-US" dirty="0"/>
           </a:p>
@@ -457,7 +462,7 @@
           <a:p>
             <a:fld id="{48A87A34-81AB-432B-8DAE-1953F412C126}" type="datetimeFigureOut">
               <a:rPr lang="en-US" dirty="0"/>
-              <a:t>3/9/16</a:t>
+              <a:t>3/10/16</a:t>
             </a:fld>
             <a:endParaRPr lang="en-US" dirty="0"/>
           </a:p>
@@ -667,7 +672,7 @@
           <a:p>
             <a:fld id="{48A87A34-81AB-432B-8DAE-1953F412C126}" type="datetimeFigureOut">
               <a:rPr lang="en-US" dirty="0"/>
-              <a:t>3/9/16</a:t>
+              <a:t>3/10/16</a:t>
             </a:fld>
             <a:endParaRPr lang="en-US" dirty="0"/>
           </a:p>
@@ -863,7 +868,7 @@
           <a:p>
             <a:fld id="{48A87A34-81AB-432B-8DAE-1953F412C126}" type="datetimeFigureOut">
               <a:rPr lang="en-US" dirty="0"/>
-              <a:t>3/9/16</a:t>
+              <a:t>3/10/16</a:t>
             </a:fld>
             <a:endParaRPr lang="en-US" dirty="0"/>
           </a:p>
@@ -1137,7 +1142,7 @@
           <a:p>
             <a:fld id="{48A87A34-81AB-432B-8DAE-1953F412C126}" type="datetimeFigureOut">
               <a:rPr lang="en-US" dirty="0"/>
-              <a:t>3/9/16</a:t>
+              <a:t>3/10/16</a:t>
             </a:fld>
             <a:endParaRPr lang="en-US" dirty="0"/>
           </a:p>
@@ -1400,7 +1405,7 @@
           <a:p>
             <a:fld id="{48A87A34-81AB-432B-8DAE-1953F412C126}" type="datetimeFigureOut">
               <a:rPr lang="en-US" dirty="0"/>
-              <a:t>3/9/16</a:t>
+              <a:t>3/10/16</a:t>
             </a:fld>
             <a:endParaRPr lang="en-US" dirty="0"/>
           </a:p>
@@ -1811,7 +1816,7 @@
           <a:p>
             <a:fld id="{48A87A34-81AB-432B-8DAE-1953F412C126}" type="datetimeFigureOut">
               <a:rPr lang="en-US" dirty="0"/>
-              <a:t>3/9/16</a:t>
+              <a:t>3/10/16</a:t>
             </a:fld>
             <a:endParaRPr lang="en-US" dirty="0"/>
           </a:p>
@@ -1955,7 +1960,7 @@
           <a:p>
             <a:fld id="{48A87A34-81AB-432B-8DAE-1953F412C126}" type="datetimeFigureOut">
               <a:rPr lang="en-US" dirty="0"/>
-              <a:t>3/9/16</a:t>
+              <a:t>3/10/16</a:t>
             </a:fld>
             <a:endParaRPr lang="en-US" dirty="0"/>
           </a:p>
@@ -2076,7 +2081,7 @@
           <a:p>
             <a:fld id="{48A87A34-81AB-432B-8DAE-1953F412C126}" type="datetimeFigureOut">
               <a:rPr lang="en-US" dirty="0"/>
-              <a:t>3/9/16</a:t>
+              <a:t>3/10/16</a:t>
             </a:fld>
             <a:endParaRPr lang="en-US" dirty="0"/>
           </a:p>
@@ -2322,7 +2327,7 @@
           <a:p>
             <a:fld id="{48A87A34-81AB-432B-8DAE-1953F412C126}" type="datetimeFigureOut">
               <a:rPr lang="en-US" dirty="0"/>
-              <a:t>3/9/16</a:t>
+              <a:t>3/10/16</a:t>
             </a:fld>
             <a:endParaRPr lang="en-US" dirty="0"/>
           </a:p>
@@ -2763,7 +2768,7 @@
             <a:fld id="{48A87A34-81AB-432B-8DAE-1953F412C126}" type="datetimeFigureOut">
               <a:rPr lang="en-US" dirty="0"/>
               <a:pPr/>
-              <a:t>3/9/16</a:t>
+              <a:t>3/10/16</a:t>
             </a:fld>
             <a:endParaRPr lang="en-US" dirty="0"/>
           </a:p>
@@ -3085,7 +3090,7 @@
             <a:fld id="{48A87A34-81AB-432B-8DAE-1953F412C126}" type="datetimeFigureOut">
               <a:rPr lang="en-US" dirty="0"/>
               <a:pPr/>
-              <a:t>3/9/16</a:t>
+              <a:t>3/10/16</a:t>
             </a:fld>
             <a:endParaRPr lang="en-US" dirty="0"/>
           </a:p>
@@ -3755,7 +3760,6 @@
               <a:rPr lang="en-US" i="1" dirty="0"/>
               <a:t>rather date instead.</a:t>
             </a:r>
-            <a:endParaRPr lang="en-US" i="1" dirty="0"/>
           </a:p>
         </p:txBody>
       </p:sp>
@@ -4402,7 +4406,7 @@
             </a:pPr>
             <a:r>
               <a:rPr lang="en-US" dirty="0" smtClean="0"/>
-              <a:t>Fixes made:</a:t>
+              <a:t>3 interviews led to the following fixes made:</a:t>
             </a:r>
           </a:p>
           <a:p>
@@ -4412,7 +4416,11 @@
             </a:pPr>
             <a:r>
               <a:rPr lang="en-US" dirty="0" smtClean="0"/>
-              <a:t>Make it easier to find Organizer mode</a:t>
+              <a:t>Make </a:t>
+            </a:r>
+            <a:r>
+              <a:rPr lang="en-US" dirty="0" smtClean="0"/>
+              <a:t>it easier to find Organizer mode</a:t>
             </a:r>
           </a:p>
           <a:p>
